--- a/Document/WBS-分工-计划-汇报.pptx
+++ b/Document/WBS-分工-计划-汇报.pptx
@@ -110,6 +110,11 @@
       </a:defRPr>
     </a:lvl9pPr>
   </p:defaultTextStyle>
+  <p:extLst>
+    <p:ext uri="{EFAFB233-063F-42B5-8137-9DF3F51BA10A}">
+      <p15:sldGuideLst xmlns:p15="http://schemas.microsoft.com/office/powerpoint/2012/main"/>
+    </p:ext>
+  </p:extLst>
 </p:presentation>
 </file>
 
@@ -290,7 +295,6 @@
               <a:rPr lang="zh-CN" altLang="en-US"/>
               <a:t>第五级</a:t>
             </a:r>
-            <a:endParaRPr lang="zh-CN" altLang="en-US"/>
           </a:p>
         </p:txBody>
       </p:sp>
@@ -4409,7 +4413,7 @@
             <p:ph idx="1"/>
             <p:extLst>
               <p:ext uri="{D42A27DB-BD31-4B8C-83A1-F6EECF244321}">
-                <p14:modId xmlns:p14="http://schemas.microsoft.com/office/powerpoint/2010/main" val="1532101938"/>
+                <p14:modId xmlns:p14="http://schemas.microsoft.com/office/powerpoint/2010/main" val="519885851"/>
               </p:ext>
             </p:extLst>
           </p:nvPr>
@@ -4585,8 +4589,16 @@
                     <a:bodyPr/>
                     <a:lstStyle/>
                     <a:p>
+                      <a:pPr marL="0" algn="l" defTabSz="914400" rtl="0" eaLnBrk="1" latinLnBrk="0" hangingPunct="1"/>
                       <a:r>
-                        <a:rPr lang="zh-CN" altLang="en-US" dirty="0"/>
+                        <a:rPr lang="zh-CN" altLang="en-US" sz="1800" kern="1200" dirty="0">
+                          <a:solidFill>
+                            <a:schemeClr val="dk1"/>
+                          </a:solidFill>
+                          <a:latin typeface="+mn-lt"/>
+                          <a:ea typeface="+mn-ea"/>
+                          <a:cs typeface="+mn-cs"/>
+                        </a:rPr>
                         <a:t>１０月２１日</a:t>
                       </a:r>
                     </a:p>
@@ -4598,8 +4610,16 @@
                     <a:bodyPr/>
                     <a:lstStyle/>
                     <a:p>
+                      <a:pPr marL="0" algn="l" defTabSz="914400" rtl="0" eaLnBrk="1" latinLnBrk="0" hangingPunct="1"/>
                       <a:r>
-                        <a:rPr lang="zh-CN" altLang="en-US" dirty="0"/>
+                        <a:rPr lang="zh-CN" altLang="en-US" sz="1800" kern="1200" dirty="0">
+                          <a:solidFill>
+                            <a:schemeClr val="dk1"/>
+                          </a:solidFill>
+                          <a:latin typeface="+mn-lt"/>
+                          <a:ea typeface="+mn-ea"/>
+                          <a:cs typeface="+mn-cs"/>
+                        </a:rPr>
                         <a:t>１０月２８日</a:t>
                       </a:r>
                     </a:p>
@@ -4611,8 +4631,16 @@
                     <a:bodyPr/>
                     <a:lstStyle/>
                     <a:p>
+                      <a:pPr marL="0" algn="l" defTabSz="914400" rtl="0" eaLnBrk="1" latinLnBrk="0" hangingPunct="1"/>
                       <a:r>
-                        <a:rPr lang="zh-CN" altLang="en-US" dirty="0"/>
+                        <a:rPr lang="zh-CN" altLang="en-US" sz="1800" kern="1200" dirty="0">
+                          <a:solidFill>
+                            <a:schemeClr val="dk1"/>
+                          </a:solidFill>
+                          <a:latin typeface="+mn-lt"/>
+                          <a:ea typeface="+mn-ea"/>
+                          <a:cs typeface="+mn-cs"/>
+                        </a:rPr>
                         <a:t>７天</a:t>
                       </a:r>
                     </a:p>
@@ -4667,8 +4695,16 @@
                     <a:bodyPr/>
                     <a:lstStyle/>
                     <a:p>
+                      <a:pPr marL="0" algn="l" defTabSz="914400" rtl="0" eaLnBrk="1" latinLnBrk="0" hangingPunct="1"/>
                       <a:r>
-                        <a:rPr lang="zh-CN" altLang="en-US" dirty="0"/>
+                        <a:rPr lang="zh-CN" altLang="en-US" sz="1800" kern="1200" dirty="0">
+                          <a:solidFill>
+                            <a:schemeClr val="dk1"/>
+                          </a:solidFill>
+                          <a:latin typeface="+mn-lt"/>
+                          <a:ea typeface="+mn-ea"/>
+                          <a:cs typeface="+mn-cs"/>
+                        </a:rPr>
                         <a:t>１０月２１日</a:t>
                       </a:r>
                     </a:p>
@@ -4680,8 +4716,16 @@
                     <a:bodyPr/>
                     <a:lstStyle/>
                     <a:p>
+                      <a:pPr marL="0" algn="l" defTabSz="914400" rtl="0" eaLnBrk="1" latinLnBrk="0" hangingPunct="1"/>
                       <a:r>
-                        <a:rPr lang="zh-CN" altLang="en-US" dirty="0"/>
+                        <a:rPr lang="zh-CN" altLang="en-US" sz="1800" kern="1200" dirty="0">
+                          <a:solidFill>
+                            <a:schemeClr val="dk1"/>
+                          </a:solidFill>
+                          <a:latin typeface="+mn-lt"/>
+                          <a:ea typeface="+mn-ea"/>
+                          <a:cs typeface="+mn-cs"/>
+                        </a:rPr>
                         <a:t>１０月３１日</a:t>
                       </a:r>
                     </a:p>
@@ -4693,8 +4737,16 @@
                     <a:bodyPr/>
                     <a:lstStyle/>
                     <a:p>
+                      <a:pPr marL="0" algn="l" defTabSz="914400" rtl="0" eaLnBrk="1" latinLnBrk="0" hangingPunct="1"/>
                       <a:r>
-                        <a:rPr lang="zh-CN" altLang="en-US" dirty="0"/>
+                        <a:rPr lang="zh-CN" altLang="en-US" sz="1800" kern="1200" dirty="0">
+                          <a:solidFill>
+                            <a:schemeClr val="dk1"/>
+                          </a:solidFill>
+                          <a:latin typeface="+mn-lt"/>
+                          <a:ea typeface="+mn-ea"/>
+                          <a:cs typeface="+mn-cs"/>
+                        </a:rPr>
                         <a:t>１０天</a:t>
                       </a:r>
                     </a:p>
@@ -4759,8 +4811,16 @@
                     <a:bodyPr/>
                     <a:lstStyle/>
                     <a:p>
+                      <a:pPr marL="0" algn="l" defTabSz="914400" rtl="0" eaLnBrk="1" latinLnBrk="0" hangingPunct="1"/>
                       <a:r>
-                        <a:rPr lang="zh-CN" altLang="en-US" dirty="0"/>
+                        <a:rPr lang="zh-CN" altLang="en-US" sz="1800" kern="1200" dirty="0">
+                          <a:solidFill>
+                            <a:schemeClr val="dk1"/>
+                          </a:solidFill>
+                          <a:latin typeface="+mn-lt"/>
+                          <a:ea typeface="+mn-ea"/>
+                          <a:cs typeface="+mn-cs"/>
+                        </a:rPr>
                         <a:t>１０月２１日</a:t>
                       </a:r>
                     </a:p>
@@ -4772,8 +4832,16 @@
                     <a:bodyPr/>
                     <a:lstStyle/>
                     <a:p>
+                      <a:pPr marL="0" algn="l" defTabSz="914400" rtl="0" eaLnBrk="1" latinLnBrk="0" hangingPunct="1"/>
                       <a:r>
-                        <a:rPr lang="zh-CN" altLang="en-US" dirty="0"/>
+                        <a:rPr lang="zh-CN" altLang="en-US" sz="1800" kern="1200" dirty="0">
+                          <a:solidFill>
+                            <a:schemeClr val="dk1"/>
+                          </a:solidFill>
+                          <a:latin typeface="+mn-lt"/>
+                          <a:ea typeface="+mn-ea"/>
+                          <a:cs typeface="+mn-cs"/>
+                        </a:rPr>
                         <a:t>１０月２８日</a:t>
                       </a:r>
                     </a:p>
@@ -4785,8 +4853,16 @@
                     <a:bodyPr/>
                     <a:lstStyle/>
                     <a:p>
+                      <a:pPr marL="0" algn="l" defTabSz="914400" rtl="0" eaLnBrk="1" latinLnBrk="0" hangingPunct="1"/>
                       <a:r>
-                        <a:rPr lang="zh-CN" altLang="en-US" dirty="0"/>
+                        <a:rPr lang="zh-CN" altLang="en-US" sz="1800" kern="1200" dirty="0">
+                          <a:solidFill>
+                            <a:schemeClr val="dk1"/>
+                          </a:solidFill>
+                          <a:latin typeface="+mn-lt"/>
+                          <a:ea typeface="+mn-ea"/>
+                          <a:cs typeface="+mn-cs"/>
+                        </a:rPr>
                         <a:t>７天</a:t>
                       </a:r>
                     </a:p>
@@ -4844,8 +4920,16 @@
                     <a:bodyPr/>
                     <a:lstStyle/>
                     <a:p>
+                      <a:pPr marL="0" algn="l" defTabSz="914400" rtl="0" eaLnBrk="1" latinLnBrk="0" hangingPunct="1"/>
                       <a:r>
-                        <a:rPr lang="zh-CN" altLang="en-US" dirty="0"/>
+                        <a:rPr lang="zh-CN" altLang="en-US" sz="1800" kern="1200" dirty="0">
+                          <a:solidFill>
+                            <a:schemeClr val="dk1"/>
+                          </a:solidFill>
+                          <a:latin typeface="+mn-lt"/>
+                          <a:ea typeface="+mn-ea"/>
+                          <a:cs typeface="+mn-cs"/>
+                        </a:rPr>
                         <a:t>１０月３１日</a:t>
                       </a:r>
                     </a:p>
@@ -4857,8 +4941,16 @@
                     <a:bodyPr/>
                     <a:lstStyle/>
                     <a:p>
+                      <a:pPr marL="0" algn="l" defTabSz="914400" rtl="0" eaLnBrk="1" latinLnBrk="0" hangingPunct="1"/>
                       <a:r>
-                        <a:rPr lang="zh-CN" altLang="en-US" dirty="0"/>
+                        <a:rPr lang="zh-CN" altLang="en-US" sz="1800" kern="1200" dirty="0">
+                          <a:solidFill>
+                            <a:schemeClr val="dk1"/>
+                          </a:solidFill>
+                          <a:latin typeface="+mn-lt"/>
+                          <a:ea typeface="+mn-ea"/>
+                          <a:cs typeface="+mn-cs"/>
+                        </a:rPr>
                         <a:t>１１月５日</a:t>
                       </a:r>
                     </a:p>
@@ -4870,8 +4962,16 @@
                     <a:bodyPr/>
                     <a:lstStyle/>
                     <a:p>
+                      <a:pPr marL="0" algn="l" defTabSz="914400" rtl="0" eaLnBrk="1" latinLnBrk="0" hangingPunct="1"/>
                       <a:r>
-                        <a:rPr lang="zh-CN" altLang="en-US" dirty="0"/>
+                        <a:rPr lang="zh-CN" altLang="en-US" sz="1800" kern="1200" dirty="0">
+                          <a:solidFill>
+                            <a:schemeClr val="dk1"/>
+                          </a:solidFill>
+                          <a:latin typeface="+mn-lt"/>
+                          <a:ea typeface="+mn-ea"/>
+                          <a:cs typeface="+mn-cs"/>
+                        </a:rPr>
                         <a:t>５天</a:t>
                       </a:r>
                     </a:p>
@@ -4926,8 +5026,16 @@
                     <a:bodyPr/>
                     <a:lstStyle/>
                     <a:p>
+                      <a:pPr marL="0" algn="l" defTabSz="914400" rtl="0" eaLnBrk="1" latinLnBrk="0" hangingPunct="1"/>
                       <a:r>
-                        <a:rPr lang="zh-CN" altLang="en-US" dirty="0"/>
+                        <a:rPr lang="zh-CN" altLang="en-US" sz="1800" kern="1200" dirty="0">
+                          <a:solidFill>
+                            <a:schemeClr val="dk1"/>
+                          </a:solidFill>
+                          <a:latin typeface="+mn-lt"/>
+                          <a:ea typeface="+mn-ea"/>
+                          <a:cs typeface="+mn-cs"/>
+                        </a:rPr>
                         <a:t>１０月３１日</a:t>
                       </a:r>
                     </a:p>
@@ -4939,8 +5047,16 @@
                     <a:bodyPr/>
                     <a:lstStyle/>
                     <a:p>
+                      <a:pPr marL="0" algn="l" defTabSz="914400" rtl="0" eaLnBrk="1" latinLnBrk="0" hangingPunct="1"/>
                       <a:r>
-                        <a:rPr lang="zh-CN" altLang="en-US" dirty="0"/>
+                        <a:rPr lang="zh-CN" altLang="en-US" sz="1800" kern="1200" dirty="0">
+                          <a:solidFill>
+                            <a:schemeClr val="dk1"/>
+                          </a:solidFill>
+                          <a:latin typeface="+mn-lt"/>
+                          <a:ea typeface="+mn-ea"/>
+                          <a:cs typeface="+mn-cs"/>
+                        </a:rPr>
                         <a:t>１１月１０日</a:t>
                       </a:r>
                     </a:p>
@@ -4952,8 +5068,16 @@
                     <a:bodyPr/>
                     <a:lstStyle/>
                     <a:p>
+                      <a:pPr marL="0" algn="l" defTabSz="914400" rtl="0" eaLnBrk="1" latinLnBrk="0" hangingPunct="1"/>
                       <a:r>
-                        <a:rPr lang="zh-CN" altLang="en-US" dirty="0"/>
+                        <a:rPr lang="zh-CN" altLang="en-US" sz="1800" kern="1200" dirty="0">
+                          <a:solidFill>
+                            <a:schemeClr val="dk1"/>
+                          </a:solidFill>
+                          <a:latin typeface="+mn-lt"/>
+                          <a:ea typeface="+mn-ea"/>
+                          <a:cs typeface="+mn-cs"/>
+                        </a:rPr>
                         <a:t>１０天</a:t>
                       </a:r>
                     </a:p>
@@ -5008,8 +5132,16 @@
                     <a:bodyPr/>
                     <a:lstStyle/>
                     <a:p>
+                      <a:pPr marL="0" algn="l" defTabSz="914400" rtl="0" eaLnBrk="1" latinLnBrk="0" hangingPunct="1"/>
                       <a:r>
-                        <a:rPr lang="zh-CN" altLang="en-US" dirty="0"/>
+                        <a:rPr lang="zh-CN" altLang="en-US" sz="1800" kern="1200" dirty="0">
+                          <a:solidFill>
+                            <a:schemeClr val="dk1"/>
+                          </a:solidFill>
+                          <a:latin typeface="+mn-lt"/>
+                          <a:ea typeface="+mn-ea"/>
+                          <a:cs typeface="+mn-cs"/>
+                        </a:rPr>
                         <a:t>１１月１１日</a:t>
                       </a:r>
                     </a:p>
@@ -5021,8 +5153,16 @@
                     <a:bodyPr/>
                     <a:lstStyle/>
                     <a:p>
+                      <a:pPr marL="0" algn="l" defTabSz="914400" rtl="0" eaLnBrk="1" latinLnBrk="0" hangingPunct="1"/>
                       <a:r>
-                        <a:rPr lang="zh-CN" altLang="en-US" dirty="0"/>
+                        <a:rPr lang="zh-CN" altLang="en-US" sz="1800" kern="1200" dirty="0">
+                          <a:solidFill>
+                            <a:schemeClr val="dk1"/>
+                          </a:solidFill>
+                          <a:latin typeface="+mn-lt"/>
+                          <a:ea typeface="+mn-ea"/>
+                          <a:cs typeface="+mn-cs"/>
+                        </a:rPr>
                         <a:t>１１月２１日</a:t>
                       </a:r>
                     </a:p>
@@ -5034,8 +5174,16 @@
                     <a:bodyPr/>
                     <a:lstStyle/>
                     <a:p>
+                      <a:pPr marL="0" algn="l" defTabSz="914400" rtl="0" eaLnBrk="1" latinLnBrk="0" hangingPunct="1"/>
                       <a:r>
-                        <a:rPr lang="zh-CN" altLang="en-US" dirty="0"/>
+                        <a:rPr lang="zh-CN" altLang="en-US" sz="1800" kern="1200" dirty="0">
+                          <a:solidFill>
+                            <a:schemeClr val="dk1"/>
+                          </a:solidFill>
+                          <a:latin typeface="+mn-lt"/>
+                          <a:ea typeface="+mn-ea"/>
+                          <a:cs typeface="+mn-cs"/>
+                        </a:rPr>
                         <a:t>１０天</a:t>
                       </a:r>
                     </a:p>
@@ -5090,8 +5238,16 @@
                     <a:bodyPr/>
                     <a:lstStyle/>
                     <a:p>
+                      <a:pPr marL="0" algn="l" defTabSz="914400" rtl="0" eaLnBrk="1" latinLnBrk="0" hangingPunct="1"/>
                       <a:r>
-                        <a:rPr lang="zh-CN" altLang="en-US" dirty="0"/>
+                        <a:rPr lang="zh-CN" altLang="en-US" sz="1800" kern="1200" dirty="0">
+                          <a:solidFill>
+                            <a:schemeClr val="dk1"/>
+                          </a:solidFill>
+                          <a:latin typeface="+mn-lt"/>
+                          <a:ea typeface="+mn-ea"/>
+                          <a:cs typeface="+mn-cs"/>
+                        </a:rPr>
                         <a:t>１１月２２日</a:t>
                       </a:r>
                     </a:p>
@@ -5103,8 +5259,16 @@
                     <a:bodyPr/>
                     <a:lstStyle/>
                     <a:p>
+                      <a:pPr marL="0" algn="l" defTabSz="914400" rtl="0" eaLnBrk="1" latinLnBrk="0" hangingPunct="1"/>
                       <a:r>
-                        <a:rPr lang="zh-CN" altLang="en-US" dirty="0"/>
+                        <a:rPr lang="zh-CN" altLang="en-US" sz="1800" kern="1200" dirty="0">
+                          <a:solidFill>
+                            <a:schemeClr val="dk1"/>
+                          </a:solidFill>
+                          <a:latin typeface="+mn-lt"/>
+                          <a:ea typeface="+mn-ea"/>
+                          <a:cs typeface="+mn-cs"/>
+                        </a:rPr>
                         <a:t>１２月１日</a:t>
                       </a:r>
                     </a:p>
@@ -5116,8 +5280,16 @@
                     <a:bodyPr/>
                     <a:lstStyle/>
                     <a:p>
+                      <a:pPr marL="0" algn="l" defTabSz="914400" rtl="0" eaLnBrk="1" latinLnBrk="0" hangingPunct="1"/>
                       <a:r>
-                        <a:rPr lang="zh-CN" altLang="en-US" dirty="0"/>
+                        <a:rPr lang="zh-CN" altLang="en-US" sz="1800" kern="1200" dirty="0">
+                          <a:solidFill>
+                            <a:schemeClr val="dk1"/>
+                          </a:solidFill>
+                          <a:latin typeface="+mn-lt"/>
+                          <a:ea typeface="+mn-ea"/>
+                          <a:cs typeface="+mn-cs"/>
+                        </a:rPr>
                         <a:t>１０天</a:t>
                       </a:r>
                     </a:p>
@@ -5172,8 +5344,16 @@
                     <a:bodyPr/>
                     <a:lstStyle/>
                     <a:p>
+                      <a:pPr marL="0" algn="l" defTabSz="914400" rtl="0" eaLnBrk="1" latinLnBrk="0" hangingPunct="1"/>
                       <a:r>
-                        <a:rPr lang="zh-CN" altLang="en-US" dirty="0"/>
+                        <a:rPr lang="zh-CN" altLang="en-US" sz="1800" kern="1200" dirty="0">
+                          <a:solidFill>
+                            <a:schemeClr val="dk1"/>
+                          </a:solidFill>
+                          <a:latin typeface="+mn-lt"/>
+                          <a:ea typeface="+mn-ea"/>
+                          <a:cs typeface="+mn-cs"/>
+                        </a:rPr>
                         <a:t>１２月２日</a:t>
                       </a:r>
                     </a:p>
@@ -5185,8 +5365,16 @@
                     <a:bodyPr/>
                     <a:lstStyle/>
                     <a:p>
+                      <a:pPr marL="0" algn="l" defTabSz="914400" rtl="0" eaLnBrk="1" latinLnBrk="0" hangingPunct="1"/>
                       <a:r>
-                        <a:rPr lang="zh-CN" altLang="en-US" dirty="0"/>
+                        <a:rPr lang="zh-CN" altLang="en-US" sz="1800" kern="1200" dirty="0">
+                          <a:solidFill>
+                            <a:schemeClr val="dk1"/>
+                          </a:solidFill>
+                          <a:latin typeface="+mn-lt"/>
+                          <a:ea typeface="+mn-ea"/>
+                          <a:cs typeface="+mn-cs"/>
+                        </a:rPr>
                         <a:t>１２月７日</a:t>
                       </a:r>
                     </a:p>
@@ -5198,8 +5386,16 @@
                     <a:bodyPr/>
                     <a:lstStyle/>
                     <a:p>
+                      <a:pPr marL="0" algn="l" defTabSz="914400" rtl="0" eaLnBrk="1" latinLnBrk="0" hangingPunct="1"/>
                       <a:r>
-                        <a:rPr lang="zh-CN" altLang="en-US" dirty="0"/>
+                        <a:rPr lang="zh-CN" altLang="en-US" sz="1800" kern="1200" dirty="0">
+                          <a:solidFill>
+                            <a:schemeClr val="dk1"/>
+                          </a:solidFill>
+                          <a:latin typeface="+mn-lt"/>
+                          <a:ea typeface="+mn-ea"/>
+                          <a:cs typeface="+mn-cs"/>
+                        </a:rPr>
                         <a:t>５天</a:t>
                       </a:r>
                     </a:p>
@@ -5254,8 +5450,16 @@
                     <a:bodyPr/>
                     <a:lstStyle/>
                     <a:p>
+                      <a:pPr marL="0" algn="l" defTabSz="914400" rtl="0" eaLnBrk="1" latinLnBrk="0" hangingPunct="1"/>
                       <a:r>
-                        <a:rPr lang="zh-CN" altLang="en-US" dirty="0"/>
+                        <a:rPr lang="zh-CN" altLang="en-US" sz="1800" kern="1200" dirty="0">
+                          <a:solidFill>
+                            <a:schemeClr val="dk1"/>
+                          </a:solidFill>
+                          <a:latin typeface="+mn-lt"/>
+                          <a:ea typeface="+mn-ea"/>
+                          <a:cs typeface="+mn-cs"/>
+                        </a:rPr>
                         <a:t>１２月７日</a:t>
                       </a:r>
                     </a:p>
@@ -5267,8 +5471,16 @@
                     <a:bodyPr/>
                     <a:lstStyle/>
                     <a:p>
+                      <a:pPr marL="0" algn="l" defTabSz="914400" rtl="0" eaLnBrk="1" latinLnBrk="0" hangingPunct="1"/>
                       <a:r>
-                        <a:rPr lang="zh-CN" altLang="en-US" dirty="0"/>
+                        <a:rPr lang="zh-CN" altLang="en-US" sz="1800" kern="1200" dirty="0">
+                          <a:solidFill>
+                            <a:schemeClr val="dk1"/>
+                          </a:solidFill>
+                          <a:latin typeface="+mn-lt"/>
+                          <a:ea typeface="+mn-ea"/>
+                          <a:cs typeface="+mn-cs"/>
+                        </a:rPr>
                         <a:t>１２月１２日</a:t>
                       </a:r>
                     </a:p>
@@ -5280,8 +5492,16 @@
                     <a:bodyPr/>
                     <a:lstStyle/>
                     <a:p>
+                      <a:pPr marL="0" algn="l" defTabSz="914400" rtl="0" eaLnBrk="1" latinLnBrk="0" hangingPunct="1"/>
                       <a:r>
-                        <a:rPr lang="zh-CN" altLang="en-US" dirty="0"/>
+                        <a:rPr lang="zh-CN" altLang="en-US" sz="1800" kern="1200" dirty="0">
+                          <a:solidFill>
+                            <a:schemeClr val="dk1"/>
+                          </a:solidFill>
+                          <a:latin typeface="+mn-lt"/>
+                          <a:ea typeface="+mn-ea"/>
+                          <a:cs typeface="+mn-cs"/>
+                        </a:rPr>
                         <a:t>５天</a:t>
                       </a:r>
                     </a:p>
@@ -5336,8 +5556,16 @@
                     <a:bodyPr/>
                     <a:lstStyle/>
                     <a:p>
+                      <a:pPr marL="0" algn="l" defTabSz="914400" rtl="0" eaLnBrk="1" latinLnBrk="0" hangingPunct="1"/>
                       <a:r>
-                        <a:rPr lang="zh-CN" altLang="en-US" dirty="0"/>
+                        <a:rPr lang="zh-CN" altLang="en-US" sz="1800" kern="1200" dirty="0">
+                          <a:solidFill>
+                            <a:schemeClr val="dk1"/>
+                          </a:solidFill>
+                          <a:latin typeface="+mn-lt"/>
+                          <a:ea typeface="+mn-ea"/>
+                          <a:cs typeface="+mn-cs"/>
+                        </a:rPr>
                         <a:t>１２月１０日</a:t>
                       </a:r>
                     </a:p>
@@ -5349,8 +5577,16 @@
                     <a:bodyPr/>
                     <a:lstStyle/>
                     <a:p>
+                      <a:pPr marL="0" algn="l" defTabSz="914400" rtl="0" eaLnBrk="1" latinLnBrk="0" hangingPunct="1"/>
                       <a:r>
-                        <a:rPr lang="zh-CN" altLang="en-US" dirty="0"/>
+                        <a:rPr lang="zh-CN" altLang="en-US" sz="1800" kern="1200" dirty="0">
+                          <a:solidFill>
+                            <a:schemeClr val="dk1"/>
+                          </a:solidFill>
+                          <a:latin typeface="+mn-lt"/>
+                          <a:ea typeface="+mn-ea"/>
+                          <a:cs typeface="+mn-cs"/>
+                        </a:rPr>
                         <a:t>１２月１７</a:t>
                       </a:r>
                     </a:p>
@@ -5362,10 +5598,26 @@
                     <a:bodyPr/>
                     <a:lstStyle/>
                     <a:p>
+                      <a:pPr marL="0" algn="l" defTabSz="914400" rtl="0" eaLnBrk="1" latinLnBrk="0" hangingPunct="1"/>
                       <a:r>
-                        <a:rPr lang="zh-CN" altLang="en-US" dirty="0"/>
-                        <a:t>１０天</a:t>
+                        <a:rPr lang="zh-CN" altLang="en-US" sz="1800" kern="1200">
+                          <a:solidFill>
+                            <a:schemeClr val="dk1"/>
+                          </a:solidFill>
+                          <a:latin typeface="+mn-lt"/>
+                          <a:ea typeface="+mn-ea"/>
+                          <a:cs typeface="+mn-cs"/>
+                        </a:rPr>
+                        <a:t>７天</a:t>
                       </a:r>
+                      <a:endParaRPr lang="zh-CN" altLang="en-US" sz="1800" kern="1200" dirty="0">
+                        <a:solidFill>
+                          <a:schemeClr val="dk1"/>
+                        </a:solidFill>
+                        <a:latin typeface="+mn-lt"/>
+                        <a:ea typeface="+mn-ea"/>
+                        <a:cs typeface="+mn-cs"/>
+                      </a:endParaRPr>
                     </a:p>
                   </a:txBody>
                   <a:tcPr/>
